--- a/PPT/BERT_review.pptx
+++ b/PPT/BERT_review.pptx
@@ -252,7 +252,7 @@
           <a:p>
             <a:fld id="{AC8526D1-DD02-4032-98EF-D8285E15928B}" type="datetimeFigureOut">
               <a:rPr lang="ko-KR" altLang="en-US" smtClean="0"/>
-              <a:t>2019. 5. 15.</a:t>
+              <a:t>2019. 11. 4.</a:t>
             </a:fld>
             <a:endParaRPr lang="ko-KR" altLang="en-US"/>
           </a:p>
@@ -2711,7 +2711,7 @@
           <a:p>
             <a:fld id="{141272C7-51E4-4789-90B9-D7A4A3A8D9A6}" type="datetimeFigureOut">
               <a:rPr lang="ko-KR" altLang="en-US" smtClean="0"/>
-              <a:t>2019. 5. 15.</a:t>
+              <a:t>2019. 11. 4.</a:t>
             </a:fld>
             <a:endParaRPr lang="ko-KR" altLang="en-US"/>
           </a:p>
